--- a/2017-11_21_The_Importance_of_Social_Login/The importance of social login.pptx
+++ b/2017-11_21_The_Importance_of_Social_Login/The importance of social login.pptx
@@ -1043,7 +1043,10 @@
           <a:bodyPr/>
           <a:lstStyle/>
           <a:p>
-            <a:endParaRPr lang="en-US" dirty="0"/>
+            <a:r>
+              <a:rPr lang="en-US" dirty="0"/>
+              <a:t>Daniel</a:t>
+            </a:r>
           </a:p>
         </p:txBody>
       </p:sp>
@@ -1064,7 +1067,7 @@
           <a:p>
             <a:fld id="{B4A2F2D2-68CD-A44C-B834-D97B08098101}" type="slidenum">
               <a:rPr lang="en-US" smtClean="0"/>
-              <a:t>11</a:t>
+              <a:t>10</a:t>
             </a:fld>
             <a:endParaRPr lang="en-US"/>
           </a:p>
@@ -1073,7 +1076,7 @@
     </p:spTree>
     <p:extLst>
       <p:ext uri="{BB962C8B-B14F-4D97-AF65-F5344CB8AC3E}">
-        <p14:creationId xmlns:p14="http://schemas.microsoft.com/office/powerpoint/2010/main" val="2671629284"/>
+        <p14:creationId xmlns:p14="http://schemas.microsoft.com/office/powerpoint/2010/main" val="269606048"/>
       </p:ext>
     </p:extLst>
   </p:cSld>
@@ -1128,154 +1131,8 @@
           <a:lstStyle/>
           <a:p>
             <a:r>
-              <a:rPr lang="en-US" sz="1200" b="0" kern="1200" dirty="0">
-                <a:solidFill>
-                  <a:schemeClr val="tx1"/>
-                </a:solidFill>
-                <a:effectLst/>
-                <a:latin typeface="+mn-lt"/>
-                <a:ea typeface="+mn-ea"/>
-                <a:cs typeface="+mn-cs"/>
-              </a:rPr>
-              <a:t>From Facebook alone, today there are over 2 </a:t>
-            </a:r>
-            <a:r>
-              <a:rPr lang="en-US" sz="1200" b="0" kern="1200" dirty="0" err="1">
-                <a:solidFill>
-                  <a:schemeClr val="tx1"/>
-                </a:solidFill>
-                <a:effectLst/>
-                <a:latin typeface="+mn-lt"/>
-                <a:ea typeface="+mn-ea"/>
-                <a:cs typeface="+mn-cs"/>
-              </a:rPr>
-              <a:t>bilion</a:t>
-            </a:r>
-            <a:r>
-              <a:rPr lang="en-US" sz="1200" b="0" kern="1200" dirty="0">
-                <a:solidFill>
-                  <a:schemeClr val="tx1"/>
-                </a:solidFill>
-                <a:effectLst/>
-                <a:latin typeface="+mn-lt"/>
-                <a:ea typeface="+mn-ea"/>
-                <a:cs typeface="+mn-cs"/>
-              </a:rPr>
-              <a:t> people, show researches from [Aug 2017](</a:t>
-            </a:r>
-            <a:r>
-              <a:rPr lang="en-US" sz="1200" b="0" u="sng" kern="1200" dirty="0">
-                <a:solidFill>
-                  <a:schemeClr val="tx1"/>
-                </a:solidFill>
-                <a:effectLst/>
-                <a:latin typeface="+mn-lt"/>
-                <a:ea typeface="+mn-ea"/>
-                <a:cs typeface="+mn-cs"/>
-              </a:rPr>
-              <a:t>http://mashable.com/2017/08/07/3-billion-global-social-media-users/#SK00WpYPsaqW</a:t>
-            </a:r>
-            <a:r>
-              <a:rPr lang="en-US" sz="1200" b="0" kern="1200" dirty="0">
-                <a:solidFill>
-                  <a:schemeClr val="tx1"/>
-                </a:solidFill>
-                <a:effectLst/>
-                <a:latin typeface="+mn-lt"/>
-                <a:ea typeface="+mn-ea"/>
-                <a:cs typeface="+mn-cs"/>
-              </a:rPr>
-              <a:t>).</a:t>
-            </a:r>
-          </a:p>
-          <a:p>
-            <a:r>
-              <a:rPr lang="en-US" sz="1200" b="0" kern="1200" dirty="0">
-                <a:solidFill>
-                  <a:schemeClr val="tx1"/>
-                </a:solidFill>
-                <a:effectLst/>
-                <a:latin typeface="+mn-lt"/>
-                <a:ea typeface="+mn-ea"/>
-                <a:cs typeface="+mn-cs"/>
-              </a:rPr>
-              <a:t>- Google (</a:t>
-            </a:r>
-            <a:r>
-              <a:rPr lang="en-US" sz="1200" b="0" kern="1200" dirty="0" err="1">
-                <a:solidFill>
-                  <a:schemeClr val="tx1"/>
-                </a:solidFill>
-                <a:effectLst/>
-                <a:latin typeface="+mn-lt"/>
-                <a:ea typeface="+mn-ea"/>
-                <a:cs typeface="+mn-cs"/>
-              </a:rPr>
-              <a:t>Youtube</a:t>
-            </a:r>
-            <a:r>
-              <a:rPr lang="en-US" sz="1200" b="0" kern="1200" dirty="0">
-                <a:solidFill>
-                  <a:schemeClr val="tx1"/>
-                </a:solidFill>
-                <a:effectLst/>
-                <a:latin typeface="+mn-lt"/>
-                <a:ea typeface="+mn-ea"/>
-                <a:cs typeface="+mn-cs"/>
-              </a:rPr>
-              <a:t>, Gmail, G+, etc...)</a:t>
-            </a:r>
-          </a:p>
-          <a:p>
-            <a:r>
-              <a:rPr lang="en-US" sz="1200" b="0" kern="1200" dirty="0">
-                <a:solidFill>
-                  <a:schemeClr val="tx1"/>
-                </a:solidFill>
-                <a:effectLst/>
-                <a:latin typeface="+mn-lt"/>
-                <a:ea typeface="+mn-ea"/>
-                <a:cs typeface="+mn-cs"/>
-              </a:rPr>
-              <a:t>- Twitter</a:t>
-            </a:r>
-          </a:p>
-          <a:p>
-            <a:r>
-              <a:rPr lang="en-US" sz="1200" b="0" kern="1200" dirty="0">
-                <a:solidFill>
-                  <a:schemeClr val="tx1"/>
-                </a:solidFill>
-                <a:effectLst/>
-                <a:latin typeface="+mn-lt"/>
-                <a:ea typeface="+mn-ea"/>
-                <a:cs typeface="+mn-cs"/>
-              </a:rPr>
-              <a:t>- </a:t>
-            </a:r>
-            <a:r>
-              <a:rPr lang="en-US" sz="1200" b="0" kern="1200" dirty="0" err="1">
-                <a:solidFill>
-                  <a:schemeClr val="tx1"/>
-                </a:solidFill>
-                <a:effectLst/>
-                <a:latin typeface="+mn-lt"/>
-                <a:ea typeface="+mn-ea"/>
-                <a:cs typeface="+mn-cs"/>
-              </a:rPr>
-              <a:t>Sina</a:t>
-            </a:r>
-            <a:r>
-              <a:rPr lang="en-US" sz="1200" b="0" kern="1200" dirty="0">
-                <a:solidFill>
-                  <a:schemeClr val="tx1"/>
-                </a:solidFill>
-                <a:effectLst/>
-                <a:latin typeface="+mn-lt"/>
-                <a:ea typeface="+mn-ea"/>
-                <a:cs typeface="+mn-cs"/>
-              </a:rPr>
-              <a:t> Weibo (China)</a:t>
+              <a:rPr lang="en-US" dirty="0"/>
+              <a:t>Luis</a:t>
             </a:r>
           </a:p>
         </p:txBody>
@@ -1297,7 +1154,7 @@
           <a:p>
             <a:fld id="{B4A2F2D2-68CD-A44C-B834-D97B08098101}" type="slidenum">
               <a:rPr lang="en-US" smtClean="0"/>
-              <a:t>13</a:t>
+              <a:t>11</a:t>
             </a:fld>
             <a:endParaRPr lang="en-US"/>
           </a:p>
@@ -1306,7 +1163,7 @@
     </p:spTree>
     <p:extLst>
       <p:ext uri="{BB962C8B-B14F-4D97-AF65-F5344CB8AC3E}">
-        <p14:creationId xmlns:p14="http://schemas.microsoft.com/office/powerpoint/2010/main" val="360271903"/>
+        <p14:creationId xmlns:p14="http://schemas.microsoft.com/office/powerpoint/2010/main" val="2671629284"/>
       </p:ext>
     </p:extLst>
   </p:cSld>
@@ -1370,10 +1227,20 @@
                 <a:ea typeface="+mn-ea"/>
                 <a:cs typeface="+mn-cs"/>
               </a:rPr>
-              <a:t>Why implement Social media Authentication in our apps?</a:t>
-            </a:r>
-          </a:p>
-          <a:p>
+              <a:t>From Facebook alone, today there are over 2 </a:t>
+            </a:r>
+            <a:r>
+              <a:rPr lang="en-US" sz="1200" b="0" kern="1200" dirty="0" err="1">
+                <a:solidFill>
+                  <a:schemeClr val="tx1"/>
+                </a:solidFill>
+                <a:effectLst/>
+                <a:latin typeface="+mn-lt"/>
+                <a:ea typeface="+mn-ea"/>
+                <a:cs typeface="+mn-cs"/>
+              </a:rPr>
+              <a:t>bilion</a:t>
+            </a:r>
             <a:r>
               <a:rPr lang="en-US" sz="1200" b="0" kern="1200" dirty="0">
                 <a:solidFill>
@@ -1384,7 +1251,7 @@
                 <a:ea typeface="+mn-ea"/>
                 <a:cs typeface="+mn-cs"/>
               </a:rPr>
-              <a:t>- About 23% of users [uninstall](</a:t>
+              <a:t> people, show researches from [Aug 2017](</a:t>
             </a:r>
             <a:r>
               <a:rPr lang="en-US" sz="1200" b="0" u="sng" kern="1200" dirty="0">
@@ -1396,7 +1263,7 @@
                 <a:ea typeface="+mn-ea"/>
                 <a:cs typeface="+mn-cs"/>
               </a:rPr>
-              <a:t>http://info.localytics.com/blog/23-of-users-abandon-an-app-after-one-use</a:t>
+              <a:t>http://mashable.com/2017/08/07/3-billion-global-social-media-users/#SK00WpYPsaqW</a:t>
             </a:r>
             <a:r>
               <a:rPr lang="en-US" sz="1200" b="0" kern="1200" dirty="0">
@@ -1408,7 +1275,7 @@
                 <a:ea typeface="+mn-ea"/>
                 <a:cs typeface="+mn-cs"/>
               </a:rPr>
-              <a:t>) an app after the first use.</a:t>
+              <a:t>).</a:t>
             </a:r>
           </a:p>
           <a:p>
@@ -1422,10 +1289,20 @@
                 <a:ea typeface="+mn-ea"/>
                 <a:cs typeface="+mn-cs"/>
               </a:rPr>
-              <a:t>- Easy signup for people that download your apps.</a:t>
-            </a:r>
-          </a:p>
-          <a:p>
+              <a:t>- Google (</a:t>
+            </a:r>
+            <a:r>
+              <a:rPr lang="en-US" sz="1200" b="0" kern="1200" dirty="0" err="1">
+                <a:solidFill>
+                  <a:schemeClr val="tx1"/>
+                </a:solidFill>
+                <a:effectLst/>
+                <a:latin typeface="+mn-lt"/>
+                <a:ea typeface="+mn-ea"/>
+                <a:cs typeface="+mn-cs"/>
+              </a:rPr>
+              <a:t>Youtube</a:t>
+            </a:r>
             <a:r>
               <a:rPr lang="en-US" sz="1200" b="0" kern="1200" dirty="0">
                 <a:solidFill>
@@ -1436,15 +1313,71 @@
                 <a:ea typeface="+mn-ea"/>
                 <a:cs typeface="+mn-cs"/>
               </a:rPr>
-              <a:t>- Easy for user to share activities from your app to their social media getting the attention of other potential users (Free Marketing).</a:t>
-            </a:r>
-          </a:p>
-          <a:p>
-            <a:pPr marL="171450" indent="-171450" rtl="0" fontAlgn="ctr">
-              <a:buFont typeface="Arial" charset="0"/>
-              <a:buChar char="•"/>
+              <a:t>, Gmail, G+, etc...)</a:t>
+            </a:r>
+          </a:p>
+          <a:p>
+            <a:r>
+              <a:rPr lang="en-US" sz="1200" b="0" kern="1200" dirty="0">
+                <a:solidFill>
+                  <a:schemeClr val="tx1"/>
+                </a:solidFill>
+                <a:effectLst/>
+                <a:latin typeface="+mn-lt"/>
+                <a:ea typeface="+mn-ea"/>
+                <a:cs typeface="+mn-cs"/>
+              </a:rPr>
+              <a:t>- Twitter</a:t>
+            </a:r>
+          </a:p>
+          <a:p>
+            <a:pPr marL="0" indent="0">
+              <a:buFontTx/>
+              <a:buNone/>
             </a:pPr>
-            <a:endParaRPr lang="en-CA" sz="1200" kern="1200" dirty="0">
+            <a:r>
+              <a:rPr lang="en-US" sz="1200" b="0" kern="1200" dirty="0">
+                <a:solidFill>
+                  <a:schemeClr val="tx1"/>
+                </a:solidFill>
+                <a:effectLst/>
+                <a:latin typeface="+mn-lt"/>
+                <a:ea typeface="+mn-ea"/>
+                <a:cs typeface="+mn-cs"/>
+              </a:rPr>
+              <a:t> </a:t>
+            </a:r>
+            <a:r>
+              <a:rPr lang="en-US" sz="1200" b="0" kern="1200" dirty="0" err="1">
+                <a:solidFill>
+                  <a:schemeClr val="tx1"/>
+                </a:solidFill>
+                <a:effectLst/>
+                <a:latin typeface="+mn-lt"/>
+                <a:ea typeface="+mn-ea"/>
+                <a:cs typeface="+mn-cs"/>
+              </a:rPr>
+              <a:t>Sina</a:t>
+            </a:r>
+            <a:r>
+              <a:rPr lang="en-US" sz="1200" b="0" kern="1200" dirty="0">
+                <a:solidFill>
+                  <a:schemeClr val="tx1"/>
+                </a:solidFill>
+                <a:effectLst/>
+                <a:latin typeface="+mn-lt"/>
+                <a:ea typeface="+mn-ea"/>
+                <a:cs typeface="+mn-cs"/>
+              </a:rPr>
+              <a:t> Weibo (China)</a:t>
+            </a:r>
+          </a:p>
+          <a:p>
+            <a:pPr marL="171450" indent="-171450">
+              <a:buFontTx/>
+              <a:buChar char="-"/>
+            </a:pPr>
+            <a:endParaRPr lang="en-US" sz="1200" b="0" kern="1200" dirty="0">
               <a:solidFill>
                 <a:schemeClr val="tx1"/>
               </a:solidFill>
@@ -1454,6 +1387,24 @@
               <a:cs typeface="+mn-cs"/>
             </a:endParaRPr>
           </a:p>
+          <a:p>
+            <a:pPr marL="171450" indent="-171450">
+              <a:buFontTx/>
+              <a:buChar char="-"/>
+            </a:pPr>
+            <a:r>
+              <a:rPr lang="en-US" sz="1200" b="0" kern="1200" dirty="0">
+                <a:solidFill>
+                  <a:schemeClr val="tx1"/>
+                </a:solidFill>
+                <a:effectLst/>
+                <a:latin typeface="+mn-lt"/>
+                <a:ea typeface="+mn-ea"/>
+                <a:cs typeface="+mn-cs"/>
+              </a:rPr>
+              <a:t>Luis</a:t>
+            </a:r>
+          </a:p>
         </p:txBody>
       </p:sp>
       <p:sp>
@@ -1473,7 +1424,7 @@
           <a:p>
             <a:fld id="{B4A2F2D2-68CD-A44C-B834-D97B08098101}" type="slidenum">
               <a:rPr lang="en-US" smtClean="0"/>
-              <a:t>14</a:t>
+              <a:t>13</a:t>
             </a:fld>
             <a:endParaRPr lang="en-US"/>
           </a:p>
@@ -1482,7 +1433,7 @@
     </p:spTree>
     <p:extLst>
       <p:ext uri="{BB962C8B-B14F-4D97-AF65-F5344CB8AC3E}">
-        <p14:creationId xmlns:p14="http://schemas.microsoft.com/office/powerpoint/2010/main" val="1664814724"/>
+        <p14:creationId xmlns:p14="http://schemas.microsoft.com/office/powerpoint/2010/main" val="360271903"/>
       </p:ext>
     </p:extLst>
   </p:cSld>
@@ -1546,6 +1497,200 @@
                 <a:ea typeface="+mn-ea"/>
                 <a:cs typeface="+mn-cs"/>
               </a:rPr>
+              <a:t>Why implement Social media Authentication in our apps?</a:t>
+            </a:r>
+          </a:p>
+          <a:p>
+            <a:r>
+              <a:rPr lang="en-US" sz="1200" b="0" kern="1200" dirty="0">
+                <a:solidFill>
+                  <a:schemeClr val="tx1"/>
+                </a:solidFill>
+                <a:effectLst/>
+                <a:latin typeface="+mn-lt"/>
+                <a:ea typeface="+mn-ea"/>
+                <a:cs typeface="+mn-cs"/>
+              </a:rPr>
+              <a:t>- About 23% of users [uninstall](</a:t>
+            </a:r>
+            <a:r>
+              <a:rPr lang="en-US" sz="1200" b="0" u="sng" kern="1200" dirty="0">
+                <a:solidFill>
+                  <a:schemeClr val="tx1"/>
+                </a:solidFill>
+                <a:effectLst/>
+                <a:latin typeface="+mn-lt"/>
+                <a:ea typeface="+mn-ea"/>
+                <a:cs typeface="+mn-cs"/>
+              </a:rPr>
+              <a:t>http://info.localytics.com/blog/23-of-users-abandon-an-app-after-one-use</a:t>
+            </a:r>
+            <a:r>
+              <a:rPr lang="en-US" sz="1200" b="0" kern="1200" dirty="0">
+                <a:solidFill>
+                  <a:schemeClr val="tx1"/>
+                </a:solidFill>
+                <a:effectLst/>
+                <a:latin typeface="+mn-lt"/>
+                <a:ea typeface="+mn-ea"/>
+                <a:cs typeface="+mn-cs"/>
+              </a:rPr>
+              <a:t>) an app after the first use.</a:t>
+            </a:r>
+          </a:p>
+          <a:p>
+            <a:r>
+              <a:rPr lang="en-US" sz="1200" b="0" kern="1200" dirty="0">
+                <a:solidFill>
+                  <a:schemeClr val="tx1"/>
+                </a:solidFill>
+                <a:effectLst/>
+                <a:latin typeface="+mn-lt"/>
+                <a:ea typeface="+mn-ea"/>
+                <a:cs typeface="+mn-cs"/>
+              </a:rPr>
+              <a:t>- Easy signup for people that download your apps.</a:t>
+            </a:r>
+          </a:p>
+          <a:p>
+            <a:r>
+              <a:rPr lang="en-US" sz="1200" b="0" kern="1200" dirty="0">
+                <a:solidFill>
+                  <a:schemeClr val="tx1"/>
+                </a:solidFill>
+                <a:effectLst/>
+                <a:latin typeface="+mn-lt"/>
+                <a:ea typeface="+mn-ea"/>
+                <a:cs typeface="+mn-cs"/>
+              </a:rPr>
+              <a:t>- Easy for user to share activities from your app to their social media getting the attention of other potential users (Free Marketing).</a:t>
+            </a:r>
+          </a:p>
+          <a:p>
+            <a:pPr marL="171450" indent="-171450" rtl="0" fontAlgn="ctr">
+              <a:buFont typeface="Arial" charset="0"/>
+              <a:buChar char="•"/>
+            </a:pPr>
+            <a:endParaRPr lang="en-CA" sz="1200" kern="1200" dirty="0">
+              <a:solidFill>
+                <a:schemeClr val="tx1"/>
+              </a:solidFill>
+              <a:effectLst/>
+              <a:latin typeface="+mn-lt"/>
+              <a:ea typeface="+mn-ea"/>
+              <a:cs typeface="+mn-cs"/>
+            </a:endParaRPr>
+          </a:p>
+          <a:p>
+            <a:pPr marL="171450" indent="-171450" rtl="0" fontAlgn="ctr">
+              <a:buFont typeface="Arial" charset="0"/>
+              <a:buChar char="•"/>
+            </a:pPr>
+            <a:r>
+              <a:rPr lang="en-CA" sz="1200" kern="1200" dirty="0">
+                <a:solidFill>
+                  <a:schemeClr val="tx1"/>
+                </a:solidFill>
+                <a:effectLst/>
+                <a:latin typeface="+mn-lt"/>
+                <a:ea typeface="+mn-ea"/>
+                <a:cs typeface="+mn-cs"/>
+              </a:rPr>
+              <a:t>Daniel</a:t>
+            </a:r>
+          </a:p>
+        </p:txBody>
+      </p:sp>
+      <p:sp>
+        <p:nvSpPr>
+          <p:cNvPr id="4" name="Slide Number Placeholder 3"/>
+          <p:cNvSpPr>
+            <a:spLocks noGrp="1"/>
+          </p:cNvSpPr>
+          <p:nvPr>
+            <p:ph type="sldNum" sz="quarter" idx="10"/>
+          </p:nvPr>
+        </p:nvSpPr>
+        <p:spPr/>
+        <p:txBody>
+          <a:bodyPr/>
+          <a:lstStyle/>
+          <a:p>
+            <a:fld id="{B4A2F2D2-68CD-A44C-B834-D97B08098101}" type="slidenum">
+              <a:rPr lang="en-US" smtClean="0"/>
+              <a:t>14</a:t>
+            </a:fld>
+            <a:endParaRPr lang="en-US"/>
+          </a:p>
+        </p:txBody>
+      </p:sp>
+    </p:spTree>
+    <p:extLst>
+      <p:ext uri="{BB962C8B-B14F-4D97-AF65-F5344CB8AC3E}">
+        <p14:creationId xmlns:p14="http://schemas.microsoft.com/office/powerpoint/2010/main" val="1664814724"/>
+      </p:ext>
+    </p:extLst>
+  </p:cSld>
+  <p:clrMapOvr>
+    <a:masterClrMapping/>
+  </p:clrMapOvr>
+</p:notes>
+</file>
+
+<file path=ppt/notesSlides/notesSlide9.xml><?xml version="1.0" encoding="utf-8"?>
+<p:notes xmlns:a="http://schemas.openxmlformats.org/drawingml/2006/main" xmlns:r="http://schemas.openxmlformats.org/officeDocument/2006/relationships" xmlns:p="http://schemas.openxmlformats.org/presentationml/2006/main">
+  <p:cSld>
+    <p:spTree>
+      <p:nvGrpSpPr>
+        <p:cNvPr id="1" name=""/>
+        <p:cNvGrpSpPr/>
+        <p:nvPr/>
+      </p:nvGrpSpPr>
+      <p:grpSpPr>
+        <a:xfrm>
+          <a:off x="0" y="0"/>
+          <a:ext cx="0" cy="0"/>
+          <a:chOff x="0" y="0"/>
+          <a:chExt cx="0" cy="0"/>
+        </a:xfrm>
+      </p:grpSpPr>
+      <p:sp>
+        <p:nvSpPr>
+          <p:cNvPr id="2" name="Slide Image Placeholder 1"/>
+          <p:cNvSpPr>
+            <a:spLocks noGrp="1" noRot="1" noChangeAspect="1"/>
+          </p:cNvSpPr>
+          <p:nvPr>
+            <p:ph type="sldImg"/>
+          </p:nvPr>
+        </p:nvSpPr>
+        <p:spPr/>
+      </p:sp>
+      <p:sp>
+        <p:nvSpPr>
+          <p:cNvPr id="3" name="Notes Placeholder 2"/>
+          <p:cNvSpPr>
+            <a:spLocks noGrp="1"/>
+          </p:cNvSpPr>
+          <p:nvPr>
+            <p:ph type="body" idx="1"/>
+          </p:nvPr>
+        </p:nvSpPr>
+        <p:spPr/>
+        <p:txBody>
+          <a:bodyPr/>
+          <a:lstStyle/>
+          <a:p>
+            <a:r>
+              <a:rPr lang="en-US" sz="1200" b="0" kern="1200" dirty="0">
+                <a:solidFill>
+                  <a:schemeClr val="tx1"/>
+                </a:solidFill>
+                <a:effectLst/>
+                <a:latin typeface="+mn-lt"/>
+                <a:ea typeface="+mn-ea"/>
+                <a:cs typeface="+mn-cs"/>
+              </a:rPr>
               <a:t>Usage of Social Authentication in Xamarin Forms / Xamarin Classic</a:t>
             </a:r>
           </a:p>
@@ -1672,10 +1817,22 @@
             </a:r>
           </a:p>
           <a:p>
-            <a:pPr marL="171450" indent="-171450">
+            <a:pPr marL="0" indent="0">
               <a:buFontTx/>
-              <a:buChar char="-"/>
+              <a:buNone/>
             </a:pPr>
+            <a:r>
+              <a:rPr lang="en-US" sz="1200" b="0" kern="1200">
+                <a:solidFill>
+                  <a:schemeClr val="tx1"/>
+                </a:solidFill>
+                <a:effectLst/>
+                <a:latin typeface="+mn-lt"/>
+                <a:ea typeface="+mn-ea"/>
+                <a:cs typeface="+mn-cs"/>
+              </a:rPr>
+              <a:t>- Google </a:t>
+            </a:r>
             <a:r>
               <a:rPr lang="en-US" sz="1200" b="0" kern="1200" dirty="0">
                 <a:solidFill>
@@ -1686,7 +1843,7 @@
                 <a:ea typeface="+mn-ea"/>
                 <a:cs typeface="+mn-cs"/>
               </a:rPr>
-              <a:t>Google SDK (</a:t>
+              <a:t>SDK (</a:t>
             </a:r>
             <a:r>
               <a:rPr lang="en-US" sz="1200" b="0" kern="1200" dirty="0" err="1">
@@ -1885,7 +2042,7 @@
           <a:effectLst/>
           <a:extLst>
             <a:ext uri="{91240B29-F687-4f45-9708-019B960494DF}">
-              <a14:hiddenLine xmlns="" xmlns:a14="http://schemas.microsoft.com/office/drawing/2010/main" w="9525">
+              <a14:hiddenLine xmlns:a14="http://schemas.microsoft.com/office/drawing/2010/main" xmlns="" w="9525">
                 <a:solidFill>
                   <a:srgbClr val="000000"/>
                 </a:solidFill>
@@ -3395,7 +3552,7 @@
           <a:ln/>
           <a:extLst>
             <a:ext uri="{91240B29-F687-4f45-9708-019B960494DF}">
-              <a14:hiddenLine xmlns="" xmlns:a14="http://schemas.microsoft.com/office/drawing/2010/main" w="9525">
+              <a14:hiddenLine xmlns:a14="http://schemas.microsoft.com/office/drawing/2010/main" xmlns="" w="9525">
                 <a:solidFill>
                   <a:srgbClr val="000000"/>
                 </a:solidFill>
@@ -3671,7 +3828,7 @@
           <a:ln/>
           <a:extLst>
             <a:ext uri="{91240B29-F687-4f45-9708-019B960494DF}">
-              <a14:hiddenLine xmlns="" xmlns:a14="http://schemas.microsoft.com/office/drawing/2010/main" w="9525">
+              <a14:hiddenLine xmlns:a14="http://schemas.microsoft.com/office/drawing/2010/main" xmlns="" w="9525">
                 <a:solidFill>
                   <a:srgbClr val="000000"/>
                 </a:solidFill>
@@ -3951,7 +4108,7 @@
           <a:ln/>
           <a:extLst>
             <a:ext uri="{91240B29-F687-4f45-9708-019B960494DF}">
-              <a14:hiddenLine xmlns="" xmlns:a14="http://schemas.microsoft.com/office/drawing/2010/main" w="9525">
+              <a14:hiddenLine xmlns:a14="http://schemas.microsoft.com/office/drawing/2010/main" xmlns="" w="9525">
                 <a:solidFill>
                   <a:srgbClr val="000000"/>
                 </a:solidFill>
@@ -4590,7 +4747,7 @@
           <a:ln/>
           <a:extLst>
             <a:ext uri="{91240B29-F687-4f45-9708-019B960494DF}">
-              <a14:hiddenLine xmlns="" xmlns:a14="http://schemas.microsoft.com/office/drawing/2010/main" w="9525">
+              <a14:hiddenLine xmlns:a14="http://schemas.microsoft.com/office/drawing/2010/main" xmlns="" w="9525">
                 <a:solidFill>
                   <a:srgbClr val="000000"/>
                 </a:solidFill>
@@ -4960,7 +5117,7 @@
           <a:ln/>
           <a:extLst>
             <a:ext uri="{91240B29-F687-4f45-9708-019B960494DF}">
-              <a14:hiddenLine xmlns="" xmlns:a14="http://schemas.microsoft.com/office/drawing/2010/main" w="9525">
+              <a14:hiddenLine xmlns:a14="http://schemas.microsoft.com/office/drawing/2010/main" xmlns="" w="9525">
                 <a:solidFill>
                   <a:srgbClr val="000000"/>
                 </a:solidFill>
@@ -5465,7 +5622,7 @@
           <a:ln/>
           <a:extLst>
             <a:ext uri="{91240B29-F687-4f45-9708-019B960494DF}">
-              <a14:hiddenLine xmlns="" xmlns:a14="http://schemas.microsoft.com/office/drawing/2010/main" w="9525">
+              <a14:hiddenLine xmlns:a14="http://schemas.microsoft.com/office/drawing/2010/main" xmlns="" w="9525">
                 <a:solidFill>
                   <a:srgbClr val="000000"/>
                 </a:solidFill>
@@ -5892,7 +6049,7 @@
           <a:ln/>
           <a:extLst>
             <a:ext uri="{91240B29-F687-4f45-9708-019B960494DF}">
-              <a14:hiddenLine xmlns="" xmlns:a14="http://schemas.microsoft.com/office/drawing/2010/main" w="9525">
+              <a14:hiddenLine xmlns:a14="http://schemas.microsoft.com/office/drawing/2010/main" xmlns="" w="9525">
                 <a:solidFill>
                   <a:srgbClr val="000000"/>
                 </a:solidFill>
@@ -7324,7 +7481,7 @@
           <p:nvPr/>
         </p:nvPicPr>
         <p:blipFill>
-          <a:blip r:embed="rId2"/>
+          <a:blip r:embed="rId3"/>
           <a:stretch>
             <a:fillRect/>
           </a:stretch>
@@ -7547,8 +7704,28 @@
           <a:lstStyle/>
           <a:p>
             <a:r>
-              <a:rPr lang="en-US" dirty="0"/>
-              <a:t>Motivation &amp; Guidelines</a:t>
+              <a:rPr lang="en-US" sz="2400" dirty="0"/>
+              <a:t>Social Media Players</a:t>
+            </a:r>
+          </a:p>
+          <a:p>
+            <a:r>
+              <a:rPr lang="en-US" sz="2400" dirty="0"/>
+              <a:t>Why Social Networks </a:t>
+            </a:r>
+            <a:r>
+              <a:rPr lang="en-US" sz="2400" dirty="0" err="1"/>
+              <a:t>Auth</a:t>
+            </a:r>
+            <a:r>
+              <a:rPr lang="en-US" sz="2400" dirty="0"/>
+              <a:t>?</a:t>
+            </a:r>
+          </a:p>
+          <a:p>
+            <a:r>
+              <a:rPr lang="en-US" sz="2400" dirty="0"/>
+              <a:t>Which option to use?</a:t>
             </a:r>
           </a:p>
         </p:txBody>
@@ -7600,7 +7777,7 @@
           <a:p>
             <a:r>
               <a:rPr lang="en-US" dirty="0"/>
-              <a:t>Purpose</a:t>
+              <a:t>Social Media Players</a:t>
             </a:r>
           </a:p>
         </p:txBody>
@@ -7636,15 +7813,7 @@
             <a:pPr lvl="1"/>
             <a:r>
               <a:rPr lang="en-US" dirty="0"/>
-              <a:t>Google (</a:t>
-            </a:r>
-            <a:r>
-              <a:rPr lang="en-US" dirty="0" err="1"/>
-              <a:t>Youtube</a:t>
-            </a:r>
-            <a:r>
-              <a:rPr lang="en-US" dirty="0"/>
-              <a:t>, Gmail, G+, </a:t>
+              <a:t>Google (YouTube, Gmail, G+, </a:t>
             </a:r>
             <a:r>
               <a:rPr lang="en-US" dirty="0" err="1"/>
@@ -7675,6 +7844,194 @@
           </a:p>
         </p:txBody>
       </p:sp>
+      <p:pic>
+        <p:nvPicPr>
+          <p:cNvPr id="1026" name="Picture 2" descr="Image result for facebook icon">
+            <a:extLst>
+              <a:ext uri="{FF2B5EF4-FFF2-40B4-BE49-F238E27FC236}">
+                <a16:creationId xmlns:a16="http://schemas.microsoft.com/office/drawing/2014/main" id="{E88CCEA5-D0F1-427E-92FD-9F60D61CDD76}"/>
+              </a:ext>
+            </a:extLst>
+          </p:cNvPr>
+          <p:cNvPicPr>
+            <a:picLocks noChangeAspect="1" noChangeArrowheads="1"/>
+          </p:cNvPicPr>
+          <p:nvPr/>
+        </p:nvPicPr>
+        <p:blipFill>
+          <a:blip r:embed="rId3">
+            <a:extLst>
+              <a:ext uri="{28A0092B-C50C-407E-A947-70E740481C1C}">
+                <a14:useLocalDpi xmlns:a14="http://schemas.microsoft.com/office/drawing/2010/main" val="0"/>
+              </a:ext>
+            </a:extLst>
+          </a:blip>
+          <a:srcRect/>
+          <a:stretch>
+            <a:fillRect/>
+          </a:stretch>
+        </p:blipFill>
+        <p:spPr bwMode="auto">
+          <a:xfrm>
+            <a:off x="6713546" y="5386684"/>
+            <a:ext cx="1024128" cy="1024128"/>
+          </a:xfrm>
+          <a:prstGeom prst="rect">
+            <a:avLst/>
+          </a:prstGeom>
+          <a:noFill/>
+          <a:extLst>
+            <a:ext uri="{909E8E84-426E-40DD-AFC4-6F175D3DCCD1}">
+              <a14:hiddenFill xmlns:a14="http://schemas.microsoft.com/office/drawing/2010/main">
+                <a:solidFill>
+                  <a:srgbClr val="FFFFFF"/>
+                </a:solidFill>
+              </a14:hiddenFill>
+            </a:ext>
+          </a:extLst>
+        </p:spPr>
+      </p:pic>
+      <p:pic>
+        <p:nvPicPr>
+          <p:cNvPr id="1036" name="Picture 12" descr="Related image">
+            <a:extLst>
+              <a:ext uri="{FF2B5EF4-FFF2-40B4-BE49-F238E27FC236}">
+                <a16:creationId xmlns:a16="http://schemas.microsoft.com/office/drawing/2014/main" id="{199D2C0E-E83F-4E83-AAB6-949766B9FA2B}"/>
+              </a:ext>
+            </a:extLst>
+          </p:cNvPr>
+          <p:cNvPicPr>
+            <a:picLocks noChangeAspect="1" noChangeArrowheads="1"/>
+          </p:cNvPicPr>
+          <p:nvPr/>
+        </p:nvPicPr>
+        <p:blipFill>
+          <a:blip r:embed="rId4">
+            <a:extLst>
+              <a:ext uri="{28A0092B-C50C-407E-A947-70E740481C1C}">
+                <a14:useLocalDpi xmlns:a14="http://schemas.microsoft.com/office/drawing/2010/main" val="0"/>
+              </a:ext>
+            </a:extLst>
+          </a:blip>
+          <a:srcRect/>
+          <a:stretch>
+            <a:fillRect/>
+          </a:stretch>
+        </p:blipFill>
+        <p:spPr bwMode="auto">
+          <a:xfrm>
+            <a:off x="7900416" y="5386684"/>
+            <a:ext cx="1024128" cy="1024128"/>
+          </a:xfrm>
+          <a:prstGeom prst="rect">
+            <a:avLst/>
+          </a:prstGeom>
+          <a:noFill/>
+          <a:extLst>
+            <a:ext uri="{909E8E84-426E-40DD-AFC4-6F175D3DCCD1}">
+              <a14:hiddenFill xmlns:a14="http://schemas.microsoft.com/office/drawing/2010/main">
+                <a:solidFill>
+                  <a:srgbClr val="FFFFFF"/>
+                </a:solidFill>
+              </a14:hiddenFill>
+            </a:ext>
+          </a:extLst>
+        </p:spPr>
+      </p:pic>
+      <p:pic>
+        <p:nvPicPr>
+          <p:cNvPr id="1038" name="Picture 14" descr="Image result for twitter logo round">
+            <a:extLst>
+              <a:ext uri="{FF2B5EF4-FFF2-40B4-BE49-F238E27FC236}">
+                <a16:creationId xmlns:a16="http://schemas.microsoft.com/office/drawing/2014/main" id="{99013CDC-7848-452F-A353-D46B44582B7B}"/>
+              </a:ext>
+            </a:extLst>
+          </p:cNvPr>
+          <p:cNvPicPr>
+            <a:picLocks noChangeAspect="1" noChangeArrowheads="1"/>
+          </p:cNvPicPr>
+          <p:nvPr/>
+        </p:nvPicPr>
+        <p:blipFill>
+          <a:blip r:embed="rId5">
+            <a:extLst>
+              <a:ext uri="{28A0092B-C50C-407E-A947-70E740481C1C}">
+                <a14:useLocalDpi xmlns:a14="http://schemas.microsoft.com/office/drawing/2010/main" val="0"/>
+              </a:ext>
+            </a:extLst>
+          </a:blip>
+          <a:srcRect/>
+          <a:stretch>
+            <a:fillRect/>
+          </a:stretch>
+        </p:blipFill>
+        <p:spPr bwMode="auto">
+          <a:xfrm>
+            <a:off x="9087286" y="5386684"/>
+            <a:ext cx="1024128" cy="1024128"/>
+          </a:xfrm>
+          <a:prstGeom prst="rect">
+            <a:avLst/>
+          </a:prstGeom>
+          <a:noFill/>
+          <a:extLst>
+            <a:ext uri="{909E8E84-426E-40DD-AFC4-6F175D3DCCD1}">
+              <a14:hiddenFill xmlns:a14="http://schemas.microsoft.com/office/drawing/2010/main">
+                <a:solidFill>
+                  <a:srgbClr val="FFFFFF"/>
+                </a:solidFill>
+              </a14:hiddenFill>
+            </a:ext>
+          </a:extLst>
+        </p:spPr>
+      </p:pic>
+      <p:pic>
+        <p:nvPicPr>
+          <p:cNvPr id="1040" name="Picture 16" descr="Image result for weibo logo round">
+            <a:extLst>
+              <a:ext uri="{FF2B5EF4-FFF2-40B4-BE49-F238E27FC236}">
+                <a16:creationId xmlns:a16="http://schemas.microsoft.com/office/drawing/2014/main" id="{4511A206-A0B1-4655-AA57-99367653FD0D}"/>
+              </a:ext>
+            </a:extLst>
+          </p:cNvPr>
+          <p:cNvPicPr>
+            <a:picLocks noChangeAspect="1" noChangeArrowheads="1"/>
+          </p:cNvPicPr>
+          <p:nvPr/>
+        </p:nvPicPr>
+        <p:blipFill>
+          <a:blip r:embed="rId6">
+            <a:extLst>
+              <a:ext uri="{28A0092B-C50C-407E-A947-70E740481C1C}">
+                <a14:useLocalDpi xmlns:a14="http://schemas.microsoft.com/office/drawing/2010/main" val="0"/>
+              </a:ext>
+            </a:extLst>
+          </a:blip>
+          <a:srcRect/>
+          <a:stretch>
+            <a:fillRect/>
+          </a:stretch>
+        </p:blipFill>
+        <p:spPr bwMode="auto">
+          <a:xfrm>
+            <a:off x="10274156" y="5386684"/>
+            <a:ext cx="1024128" cy="1024128"/>
+          </a:xfrm>
+          <a:prstGeom prst="rect">
+            <a:avLst/>
+          </a:prstGeom>
+          <a:noFill/>
+          <a:extLst>
+            <a:ext uri="{909E8E84-426E-40DD-AFC4-6F175D3DCCD1}">
+              <a14:hiddenFill xmlns:a14="http://schemas.microsoft.com/office/drawing/2010/main">
+                <a:solidFill>
+                  <a:srgbClr val="FFFFFF"/>
+                </a:solidFill>
+              </a14:hiddenFill>
+            </a:ext>
+          </a:extLst>
+        </p:spPr>
+      </p:pic>
     </p:spTree>
     <p:extLst>
       <p:ext uri="{BB962C8B-B14F-4D97-AF65-F5344CB8AC3E}">

--- a/2017-11_21_The_Importance_of_Social_Login/The importance of social login.pptx
+++ b/2017-11_21_The_Importance_of_Social_Login/The importance of social login.pptx
@@ -280,7 +280,7 @@
           <a:p>
             <a:fld id="{5A1A54DF-74C0-E146-BAD7-48563FFA43F1}" type="datetimeFigureOut">
               <a:rPr lang="en-US" smtClean="0"/>
-              <a:t>11/18/2017</a:t>
+              <a:t>11/21/17</a:t>
             </a:fld>
             <a:endParaRPr lang="en-US"/>
           </a:p>
@@ -2042,7 +2042,7 @@
           <a:effectLst/>
           <a:extLst>
             <a:ext uri="{91240B29-F687-4f45-9708-019B960494DF}">
-              <a14:hiddenLine xmlns:a14="http://schemas.microsoft.com/office/drawing/2010/main" xmlns="" w="9525">
+              <a14:hiddenLine xmlns="" xmlns:a14="http://schemas.microsoft.com/office/drawing/2010/main" w="9525">
                 <a:solidFill>
                   <a:srgbClr val="000000"/>
                 </a:solidFill>
@@ -2235,7 +2235,7 @@
             <a:fld id="{08B9EBBA-996F-894A-B54A-D6246ED52CEA}" type="datetimeFigureOut">
               <a:rPr lang="en-US" dirty="0"/>
               <a:pPr/>
-              <a:t>11/18/2017</a:t>
+              <a:t>11/21/17</a:t>
             </a:fld>
             <a:endParaRPr lang="en-US" dirty="0"/>
           </a:p>
@@ -2550,7 +2550,7 @@
             <a:fld id="{18C79C5D-2A6F-F04D-97DA-BEF2467B64E4}" type="datetimeFigureOut">
               <a:rPr lang="en-US" dirty="0"/>
               <a:pPr/>
-              <a:t>11/18/2017</a:t>
+              <a:t>11/21/17</a:t>
             </a:fld>
             <a:endParaRPr lang="en-US" dirty="0"/>
           </a:p>
@@ -3035,7 +3035,7 @@
             <a:fld id="{8DFA1846-DA80-1C48-A609-854EA85C59AD}" type="datetimeFigureOut">
               <a:rPr lang="en-US" dirty="0"/>
               <a:pPr/>
-              <a:t>11/18/2017</a:t>
+              <a:t>11/21/17</a:t>
             </a:fld>
             <a:endParaRPr lang="en-US" dirty="0"/>
           </a:p>
@@ -3401,7 +3401,7 @@
             <a:fld id="{FBF54567-0DE4-3F47-BF90-CB84690072F9}" type="datetimeFigureOut">
               <a:rPr lang="en-US" dirty="0"/>
               <a:pPr/>
-              <a:t>11/18/2017</a:t>
+              <a:t>11/21/17</a:t>
             </a:fld>
             <a:endParaRPr lang="en-US" dirty="0"/>
           </a:p>
@@ -3552,7 +3552,7 @@
           <a:ln/>
           <a:extLst>
             <a:ext uri="{91240B29-F687-4f45-9708-019B960494DF}">
-              <a14:hiddenLine xmlns:a14="http://schemas.microsoft.com/office/drawing/2010/main" xmlns="" w="9525">
+              <a14:hiddenLine xmlns="" xmlns:a14="http://schemas.microsoft.com/office/drawing/2010/main" w="9525">
                 <a:solidFill>
                   <a:srgbClr val="000000"/>
                 </a:solidFill>
@@ -3675,7 +3675,7 @@
             <a:fld id="{C6C52C72-DE31-F449-A4ED-4C594FD91407}" type="datetimeFigureOut">
               <a:rPr lang="en-US" dirty="0"/>
               <a:pPr/>
-              <a:t>11/18/2017</a:t>
+              <a:t>11/21/17</a:t>
             </a:fld>
             <a:endParaRPr lang="en-US" dirty="0"/>
           </a:p>
@@ -3828,7 +3828,7 @@
           <a:ln/>
           <a:extLst>
             <a:ext uri="{91240B29-F687-4f45-9708-019B960494DF}">
-              <a14:hiddenLine xmlns:a14="http://schemas.microsoft.com/office/drawing/2010/main" xmlns="" w="9525">
+              <a14:hiddenLine xmlns="" xmlns:a14="http://schemas.microsoft.com/office/drawing/2010/main" w="9525">
                 <a:solidFill>
                   <a:srgbClr val="000000"/>
                 </a:solidFill>
@@ -3957,7 +3957,7 @@
             <a:fld id="{ED62726E-379B-B349-9EED-81ED093FA806}" type="datetimeFigureOut">
               <a:rPr lang="en-US" dirty="0"/>
               <a:pPr/>
-              <a:t>11/18/2017</a:t>
+              <a:t>11/21/17</a:t>
             </a:fld>
             <a:endParaRPr lang="en-US" dirty="0"/>
           </a:p>
@@ -4108,7 +4108,7 @@
           <a:ln/>
           <a:extLst>
             <a:ext uri="{91240B29-F687-4f45-9708-019B960494DF}">
-              <a14:hiddenLine xmlns:a14="http://schemas.microsoft.com/office/drawing/2010/main" xmlns="" w="9525">
+              <a14:hiddenLine xmlns="" xmlns:a14="http://schemas.microsoft.com/office/drawing/2010/main" w="9525">
                 <a:solidFill>
                   <a:srgbClr val="000000"/>
                 </a:solidFill>
@@ -4257,7 +4257,7 @@
             <a:fld id="{9B3A1323-8D79-1946-B0D7-40001CF92E9D}" type="datetimeFigureOut">
               <a:rPr lang="en-US" dirty="0"/>
               <a:pPr/>
-              <a:t>11/18/2017</a:t>
+              <a:t>11/21/17</a:t>
             </a:fld>
             <a:endParaRPr lang="en-US" dirty="0"/>
           </a:p>
@@ -4596,7 +4596,7 @@
             <a:fld id="{8DFA1846-DA80-1C48-A609-854EA85C59AD}" type="datetimeFigureOut">
               <a:rPr lang="en-US" dirty="0"/>
               <a:pPr/>
-              <a:t>11/18/2017</a:t>
+              <a:t>11/21/17</a:t>
             </a:fld>
             <a:endParaRPr lang="en-US" dirty="0"/>
           </a:p>
@@ -4747,7 +4747,7 @@
           <a:ln/>
           <a:extLst>
             <a:ext uri="{91240B29-F687-4f45-9708-019B960494DF}">
-              <a14:hiddenLine xmlns:a14="http://schemas.microsoft.com/office/drawing/2010/main" xmlns="" w="9525">
+              <a14:hiddenLine xmlns="" xmlns:a14="http://schemas.microsoft.com/office/drawing/2010/main" w="9525">
                 <a:solidFill>
                   <a:srgbClr val="000000"/>
                 </a:solidFill>
@@ -4966,7 +4966,7 @@
             <a:fld id="{57302355-E14B-8545-A8F8-0FE83CC9D524}" type="datetimeFigureOut">
               <a:rPr lang="en-US" dirty="0"/>
               <a:pPr/>
-              <a:t>11/18/2017</a:t>
+              <a:t>11/21/17</a:t>
             </a:fld>
             <a:endParaRPr lang="en-US" dirty="0"/>
           </a:p>
@@ -5117,7 +5117,7 @@
           <a:ln/>
           <a:extLst>
             <a:ext uri="{91240B29-F687-4f45-9708-019B960494DF}">
-              <a14:hiddenLine xmlns:a14="http://schemas.microsoft.com/office/drawing/2010/main" xmlns="" w="9525">
+              <a14:hiddenLine xmlns="" xmlns:a14="http://schemas.microsoft.com/office/drawing/2010/main" w="9525">
                 <a:solidFill>
                   <a:srgbClr val="000000"/>
                 </a:solidFill>
@@ -5471,7 +5471,7 @@
             <a:fld id="{02640F58-564D-2B4F-AE67-E407BA4FCF45}" type="datetimeFigureOut">
               <a:rPr lang="en-US" dirty="0"/>
               <a:pPr/>
-              <a:t>11/18/2017</a:t>
+              <a:t>11/21/17</a:t>
             </a:fld>
             <a:endParaRPr lang="en-US" dirty="0"/>
           </a:p>
@@ -5622,7 +5622,7 @@
           <a:ln/>
           <a:extLst>
             <a:ext uri="{91240B29-F687-4f45-9708-019B960494DF}">
-              <a14:hiddenLine xmlns:a14="http://schemas.microsoft.com/office/drawing/2010/main" xmlns="" w="9525">
+              <a14:hiddenLine xmlns="" xmlns:a14="http://schemas.microsoft.com/office/drawing/2010/main" w="9525">
                 <a:solidFill>
                   <a:srgbClr val="000000"/>
                 </a:solidFill>
@@ -5693,7 +5693,7 @@
             <a:fld id="{F13A34C8-038E-2045-AF43-DF7DBB8E0E9E}" type="datetimeFigureOut">
               <a:rPr lang="en-US" dirty="0"/>
               <a:pPr/>
-              <a:t>11/18/2017</a:t>
+              <a:t>11/21/17</a:t>
             </a:fld>
             <a:endParaRPr lang="en-US" dirty="0"/>
           </a:p>
@@ -5785,7 +5785,7 @@
             <a:fld id="{8818C68F-D26B-8F47-958C-23B49CF8A634}" type="datetimeFigureOut">
               <a:rPr lang="en-US" dirty="0"/>
               <a:pPr/>
-              <a:t>11/18/2017</a:t>
+              <a:t>11/21/17</a:t>
             </a:fld>
             <a:endParaRPr lang="en-US" dirty="0"/>
           </a:p>
@@ -6049,7 +6049,7 @@
           <a:ln/>
           <a:extLst>
             <a:ext uri="{91240B29-F687-4f45-9708-019B960494DF}">
-              <a14:hiddenLine xmlns:a14="http://schemas.microsoft.com/office/drawing/2010/main" xmlns="" w="9525">
+              <a14:hiddenLine xmlns="" xmlns:a14="http://schemas.microsoft.com/office/drawing/2010/main" w="9525">
                 <a:solidFill>
                   <a:srgbClr val="000000"/>
                 </a:solidFill>
@@ -6249,7 +6249,7 @@
             <a:fld id="{D0DF5E60-9974-AC48-9591-99C2BB44B7CF}" type="datetimeFigureOut">
               <a:rPr lang="en-US" dirty="0"/>
               <a:pPr/>
-              <a:t>11/18/2017</a:t>
+              <a:t>11/21/17</a:t>
             </a:fld>
             <a:endParaRPr lang="en-US" dirty="0"/>
           </a:p>
@@ -6562,7 +6562,7 @@
             <a:fld id="{18C79C5D-2A6F-F04D-97DA-BEF2467B64E4}" type="datetimeFigureOut">
               <a:rPr lang="en-US" smtClean="0"/>
               <a:pPr/>
-              <a:t>11/18/2017</a:t>
+              <a:t>11/21/17</a:t>
             </a:fld>
             <a:endParaRPr lang="en-US" dirty="0"/>
           </a:p>
@@ -6836,7 +6836,7 @@
             <a:fld id="{09B482E8-6E0E-1B4F-B1FD-C69DB9E858D9}" type="datetimeFigureOut">
               <a:rPr lang="en-US" dirty="0"/>
               <a:pPr/>
-              <a:t>11/18/2017</a:t>
+              <a:t>11/21/17</a:t>
             </a:fld>
             <a:endParaRPr lang="en-US" dirty="0"/>
           </a:p>
@@ -7849,7 +7849,7 @@
           <p:cNvPr id="1026" name="Picture 2" descr="Image result for facebook icon">
             <a:extLst>
               <a:ext uri="{FF2B5EF4-FFF2-40B4-BE49-F238E27FC236}">
-                <a16:creationId xmlns:a16="http://schemas.microsoft.com/office/drawing/2014/main" id="{E88CCEA5-D0F1-427E-92FD-9F60D61CDD76}"/>
+                <a16:creationId xmlns:a16="http://schemas.microsoft.com/office/drawing/2014/main" xmlns="" id="{E88CCEA5-D0F1-427E-92FD-9F60D61CDD76}"/>
               </a:ext>
             </a:extLst>
           </p:cNvPr>
@@ -7896,7 +7896,7 @@
           <p:cNvPr id="1036" name="Picture 12" descr="Related image">
             <a:extLst>
               <a:ext uri="{FF2B5EF4-FFF2-40B4-BE49-F238E27FC236}">
-                <a16:creationId xmlns:a16="http://schemas.microsoft.com/office/drawing/2014/main" id="{199D2C0E-E83F-4E83-AAB6-949766B9FA2B}"/>
+                <a16:creationId xmlns:a16="http://schemas.microsoft.com/office/drawing/2014/main" xmlns="" id="{199D2C0E-E83F-4E83-AAB6-949766B9FA2B}"/>
               </a:ext>
             </a:extLst>
           </p:cNvPr>
@@ -7943,7 +7943,7 @@
           <p:cNvPr id="1038" name="Picture 14" descr="Image result for twitter logo round">
             <a:extLst>
               <a:ext uri="{FF2B5EF4-FFF2-40B4-BE49-F238E27FC236}">
-                <a16:creationId xmlns:a16="http://schemas.microsoft.com/office/drawing/2014/main" id="{99013CDC-7848-452F-A353-D46B44582B7B}"/>
+                <a16:creationId xmlns:a16="http://schemas.microsoft.com/office/drawing/2014/main" xmlns="" id="{99013CDC-7848-452F-A353-D46B44582B7B}"/>
               </a:ext>
             </a:extLst>
           </p:cNvPr>
@@ -7990,7 +7990,7 @@
           <p:cNvPr id="1040" name="Picture 16" descr="Image result for weibo logo round">
             <a:extLst>
               <a:ext uri="{FF2B5EF4-FFF2-40B4-BE49-F238E27FC236}">
-                <a16:creationId xmlns:a16="http://schemas.microsoft.com/office/drawing/2014/main" id="{4511A206-A0B1-4655-AA57-99367653FD0D}"/>
+                <a16:creationId xmlns:a16="http://schemas.microsoft.com/office/drawing/2014/main" xmlns="" id="{4511A206-A0B1-4655-AA57-99367653FD0D}"/>
               </a:ext>
             </a:extLst>
           </p:cNvPr>
@@ -8773,7 +8773,7 @@
           <p:cNvPr id="1026" name="Picture 2" descr="Image result for everything went better than expected meme">
             <a:extLst>
               <a:ext uri="{FF2B5EF4-FFF2-40B4-BE49-F238E27FC236}">
-                <a16:creationId xmlns:a16="http://schemas.microsoft.com/office/drawing/2014/main" id="{0AADF3F3-9F1E-4FEA-9059-69FEFDE5988F}"/>
+                <a16:creationId xmlns:a16="http://schemas.microsoft.com/office/drawing/2014/main" xmlns="" id="{0AADF3F3-9F1E-4FEA-9059-69FEFDE5988F}"/>
               </a:ext>
             </a:extLst>
           </p:cNvPr>
@@ -9044,8 +9044,13 @@
           <a:p>
             <a:r>
               <a:rPr lang="en-US" dirty="0"/>
-              <a:t>Third Tuesday of the month @ 5:30pm</a:t>
-            </a:r>
+              <a:t>Third Tuesday of the month @ </a:t>
+            </a:r>
+            <a:r>
+              <a:rPr lang="en-US" dirty="0" smtClean="0"/>
+              <a:t>6:00pm</a:t>
+            </a:r>
+            <a:endParaRPr lang="en-US" dirty="0"/>
           </a:p>
           <a:p>
             <a:r>
@@ -9057,16 +9062,21 @@
             <a:pPr lvl="1"/>
             <a:r>
               <a:rPr lang="en-US" dirty="0"/>
-              <a:t>Tuesday, November 21</a:t>
-            </a:r>
-            <a:r>
-              <a:rPr lang="en-US" baseline="30000" dirty="0"/>
-              <a:t>st</a:t>
-            </a:r>
-            <a:r>
-              <a:rPr lang="en-US" dirty="0"/>
-              <a:t>, 5:30pm</a:t>
-            </a:r>
+              <a:t>Tuesday, </a:t>
+            </a:r>
+            <a:r>
+              <a:rPr lang="en-US" dirty="0" smtClean="0"/>
+              <a:t>December 19</a:t>
+            </a:r>
+            <a:r>
+              <a:rPr lang="en-US" baseline="30000" dirty="0" smtClean="0"/>
+              <a:t>th</a:t>
+            </a:r>
+            <a:r>
+              <a:rPr lang="en-US" dirty="0" smtClean="0"/>
+              <a:t>, 6:00pm</a:t>
+            </a:r>
+            <a:endParaRPr lang="en-US" dirty="0"/>
           </a:p>
           <a:p>
             <a:pPr lvl="1"/>
@@ -9079,9 +9089,10 @@
               <a:t>Brightlane</a:t>
             </a:r>
             <a:r>
-              <a:rPr lang="en-US" dirty="0"/>
+              <a:rPr lang="en-US" dirty="0" smtClean="0"/>
               <a:t>)</a:t>
             </a:r>
+            <a:endParaRPr lang="en-US" dirty="0"/>
           </a:p>
         </p:txBody>
       </p:sp>
